--- a/SIGA/99.pptx
+++ b/SIGA/99.pptx
@@ -3512,12 +3512,24 @@
         </p:blipFill>
         <p:spPr>
           <a:xfrm>
-            <a:off x="5609973" y="210775"/>
+            <a:off x="5834735" y="127076"/>
             <a:ext cx="5982632" cy="3304610"/>
           </a:xfrm>
           <a:prstGeom prst="rect">
             <a:avLst/>
           </a:prstGeom>
+          <a:ln>
+            <a:solidFill>
+              <a:schemeClr val="tx1"/>
+            </a:solidFill>
+          </a:ln>
+          <a:effectLst>
+            <a:outerShdw blurRad="50800" dist="38100" dir="8100000" algn="tr" rotWithShape="0">
+              <a:prstClr val="black">
+                <a:alpha val="40000"/>
+              </a:prstClr>
+            </a:outerShdw>
+          </a:effectLst>
         </p:spPr>
       </p:pic>
       <p:pic>
